--- a/Assignment3_Unsupervised_Learning/Report/Figures.pptx
+++ b/Assignment3_Unsupervised_Learning/Report/Figures.pptx
@@ -109,6 +109,11 @@
       </a:defRPr>
     </a:lvl9pPr>
   </p:defaultTextStyle>
+  <p:extLst>
+    <p:ext uri="{EFAFB233-063F-42B5-8137-9DF3F51BA10A}">
+      <p15:sldGuideLst xmlns:p15="http://schemas.microsoft.com/office/powerpoint/2012/main"/>
+    </p:ext>
+  </p:extLst>
 </p:presentation>
 </file>
 
@@ -243,7 +248,7 @@
           <a:p>
             <a:fld id="{EF2998E2-DBE1-430B-8B30-20834A46886F}" type="datetimeFigureOut">
               <a:rPr lang="en-US" smtClean="0"/>
-              <a:t>11/5/2023</a:t>
+              <a:t>11/8/2023</a:t>
             </a:fld>
             <a:endParaRPr lang="en-US"/>
           </a:p>
@@ -413,7 +418,7 @@
           <a:p>
             <a:fld id="{EF2998E2-DBE1-430B-8B30-20834A46886F}" type="datetimeFigureOut">
               <a:rPr lang="en-US" smtClean="0"/>
-              <a:t>11/5/2023</a:t>
+              <a:t>11/8/2023</a:t>
             </a:fld>
             <a:endParaRPr lang="en-US"/>
           </a:p>
@@ -593,7 +598,7 @@
           <a:p>
             <a:fld id="{EF2998E2-DBE1-430B-8B30-20834A46886F}" type="datetimeFigureOut">
               <a:rPr lang="en-US" smtClean="0"/>
-              <a:t>11/5/2023</a:t>
+              <a:t>11/8/2023</a:t>
             </a:fld>
             <a:endParaRPr lang="en-US"/>
           </a:p>
@@ -763,7 +768,7 @@
           <a:p>
             <a:fld id="{EF2998E2-DBE1-430B-8B30-20834A46886F}" type="datetimeFigureOut">
               <a:rPr lang="en-US" smtClean="0"/>
-              <a:t>11/5/2023</a:t>
+              <a:t>11/8/2023</a:t>
             </a:fld>
             <a:endParaRPr lang="en-US"/>
           </a:p>
@@ -1007,7 +1012,7 @@
           <a:p>
             <a:fld id="{EF2998E2-DBE1-430B-8B30-20834A46886F}" type="datetimeFigureOut">
               <a:rPr lang="en-US" smtClean="0"/>
-              <a:t>11/5/2023</a:t>
+              <a:t>11/8/2023</a:t>
             </a:fld>
             <a:endParaRPr lang="en-US"/>
           </a:p>
@@ -1239,7 +1244,7 @@
           <a:p>
             <a:fld id="{EF2998E2-DBE1-430B-8B30-20834A46886F}" type="datetimeFigureOut">
               <a:rPr lang="en-US" smtClean="0"/>
-              <a:t>11/5/2023</a:t>
+              <a:t>11/8/2023</a:t>
             </a:fld>
             <a:endParaRPr lang="en-US"/>
           </a:p>
@@ -1606,7 +1611,7 @@
           <a:p>
             <a:fld id="{EF2998E2-DBE1-430B-8B30-20834A46886F}" type="datetimeFigureOut">
               <a:rPr lang="en-US" smtClean="0"/>
-              <a:t>11/5/2023</a:t>
+              <a:t>11/8/2023</a:t>
             </a:fld>
             <a:endParaRPr lang="en-US"/>
           </a:p>
@@ -1724,7 +1729,7 @@
           <a:p>
             <a:fld id="{EF2998E2-DBE1-430B-8B30-20834A46886F}" type="datetimeFigureOut">
               <a:rPr lang="en-US" smtClean="0"/>
-              <a:t>11/5/2023</a:t>
+              <a:t>11/8/2023</a:t>
             </a:fld>
             <a:endParaRPr lang="en-US"/>
           </a:p>
@@ -1819,7 +1824,7 @@
           <a:p>
             <a:fld id="{EF2998E2-DBE1-430B-8B30-20834A46886F}" type="datetimeFigureOut">
               <a:rPr lang="en-US" smtClean="0"/>
-              <a:t>11/5/2023</a:t>
+              <a:t>11/8/2023</a:t>
             </a:fld>
             <a:endParaRPr lang="en-US"/>
           </a:p>
@@ -2096,7 +2101,7 @@
           <a:p>
             <a:fld id="{EF2998E2-DBE1-430B-8B30-20834A46886F}" type="datetimeFigureOut">
               <a:rPr lang="en-US" smtClean="0"/>
-              <a:t>11/5/2023</a:t>
+              <a:t>11/8/2023</a:t>
             </a:fld>
             <a:endParaRPr lang="en-US"/>
           </a:p>
@@ -2353,7 +2358,7 @@
           <a:p>
             <a:fld id="{EF2998E2-DBE1-430B-8B30-20834A46886F}" type="datetimeFigureOut">
               <a:rPr lang="en-US" smtClean="0"/>
-              <a:t>11/5/2023</a:t>
+              <a:t>11/8/2023</a:t>
             </a:fld>
             <a:endParaRPr lang="en-US"/>
           </a:p>
@@ -2566,7 +2571,7 @@
           <a:p>
             <a:fld id="{EF2998E2-DBE1-430B-8B30-20834A46886F}" type="datetimeFigureOut">
               <a:rPr lang="en-US" smtClean="0"/>
-              <a:t>11/5/2023</a:t>
+              <a:t>11/8/2023</a:t>
             </a:fld>
             <a:endParaRPr lang="en-US"/>
           </a:p>
@@ -5495,7 +5500,7 @@
         </p:nvSpPr>
         <p:spPr>
           <a:xfrm>
-            <a:off x="609053" y="383460"/>
+            <a:off x="1972783" y="383460"/>
             <a:ext cx="944381" cy="248209"/>
           </a:xfrm>
           <a:prstGeom prst="rect">
@@ -5530,7 +5535,7 @@
         </p:nvSpPr>
         <p:spPr>
           <a:xfrm>
-            <a:off x="3647528" y="396004"/>
+            <a:off x="4539068" y="396004"/>
             <a:ext cx="944381" cy="248209"/>
           </a:xfrm>
           <a:prstGeom prst="rect">
@@ -5662,12 +5667,48 @@
           </a:p>
         </p:txBody>
       </p:sp>
+      <p:pic>
+        <p:nvPicPr>
+          <p:cNvPr id="9" name="Picture 8" descr="A graph with a line going up&#10;&#10;Description automatically generated">
+            <a:extLst>
+              <a:ext uri="{FF2B5EF4-FFF2-40B4-BE49-F238E27FC236}">
+                <a16:creationId xmlns:a16="http://schemas.microsoft.com/office/drawing/2014/main" id="{B198B310-DCB6-B9F6-0579-A9EAE2863C1C}"/>
+              </a:ext>
+            </a:extLst>
+          </p:cNvPr>
+          <p:cNvPicPr>
+            <a:picLocks noChangeAspect="1"/>
+          </p:cNvPicPr>
+          <p:nvPr/>
+        </p:nvPicPr>
+        <p:blipFill>
+          <a:blip r:embed="rId3">
+            <a:extLst>
+              <a:ext uri="{28A0092B-C50C-407E-A947-70E740481C1C}">
+                <a14:useLocalDpi xmlns:a14="http://schemas.microsoft.com/office/drawing/2010/main" val="0"/>
+              </a:ext>
+            </a:extLst>
+          </a:blip>
+          <a:stretch>
+            <a:fillRect/>
+          </a:stretch>
+        </p:blipFill>
+        <p:spPr>
+          <a:xfrm>
+            <a:off x="609053" y="3415988"/>
+            <a:ext cx="2286000" cy="1213368"/>
+          </a:xfrm>
+          <a:prstGeom prst="rect">
+            <a:avLst/>
+          </a:prstGeom>
+        </p:spPr>
+      </p:pic>
       <p:grpSp>
         <p:nvGrpSpPr>
-          <p:cNvPr id="16" name="Group 15">
-            <a:extLst>
-              <a:ext uri="{FF2B5EF4-FFF2-40B4-BE49-F238E27FC236}">
-                <a16:creationId xmlns:a16="http://schemas.microsoft.com/office/drawing/2014/main" id="{1E0D7FFF-632C-06C4-8451-EE136E1E3AAA}"/>
+          <p:cNvPr id="4" name="Group 3">
+            <a:extLst>
+              <a:ext uri="{FF2B5EF4-FFF2-40B4-BE49-F238E27FC236}">
+                <a16:creationId xmlns:a16="http://schemas.microsoft.com/office/drawing/2014/main" id="{A7639B9E-2A40-FCE1-A116-71B9E1275E56}"/>
               </a:ext>
             </a:extLst>
           </p:cNvPr>
@@ -5676,10 +5717,10 @@
         </p:nvGrpSpPr>
         <p:grpSpPr>
           <a:xfrm>
-            <a:off x="609053" y="752094"/>
-            <a:ext cx="2286000" cy="1596571"/>
-            <a:chOff x="609053" y="752094"/>
-            <a:chExt cx="2286000" cy="1596571"/>
+            <a:off x="-536727" y="752093"/>
+            <a:ext cx="7276917" cy="1600200"/>
+            <a:chOff x="-536727" y="752093"/>
+            <a:chExt cx="7276917" cy="1600200"/>
           </a:xfrm>
         </p:grpSpPr>
         <p:pic>
@@ -5688,98 +5729,6 @@
               <a:extLst>
                 <a:ext uri="{FF2B5EF4-FFF2-40B4-BE49-F238E27FC236}">
                   <a16:creationId xmlns:a16="http://schemas.microsoft.com/office/drawing/2014/main" id="{5A13D749-E365-371C-2149-6B0FE7BA9C56}"/>
-                </a:ext>
-              </a:extLst>
-            </p:cNvPr>
-            <p:cNvPicPr>
-              <a:picLocks noChangeAspect="1"/>
-            </p:cNvPicPr>
-            <p:nvPr/>
-          </p:nvPicPr>
-          <p:blipFill>
-            <a:blip r:embed="rId3">
-              <a:extLst>
-                <a:ext uri="{28A0092B-C50C-407E-A947-70E740481C1C}">
-                  <a14:useLocalDpi xmlns:a14="http://schemas.microsoft.com/office/drawing/2010/main" val="0"/>
-                </a:ext>
-              </a:extLst>
-            </a:blip>
-            <a:stretch>
-              <a:fillRect/>
-            </a:stretch>
-          </p:blipFill>
-          <p:spPr>
-            <a:xfrm>
-              <a:off x="609053" y="752094"/>
-              <a:ext cx="2286000" cy="1596571"/>
-            </a:xfrm>
-            <a:prstGeom prst="rect">
-              <a:avLst/>
-            </a:prstGeom>
-          </p:spPr>
-        </p:pic>
-        <p:sp>
-          <p:nvSpPr>
-            <p:cNvPr id="14" name="TextBox 13">
-              <a:extLst>
-                <a:ext uri="{FF2B5EF4-FFF2-40B4-BE49-F238E27FC236}">
-                  <a16:creationId xmlns:a16="http://schemas.microsoft.com/office/drawing/2014/main" id="{8FFF746D-441A-C16A-D08B-EFDBB36C8D12}"/>
-                </a:ext>
-              </a:extLst>
-            </p:cNvPr>
-            <p:cNvSpPr txBox="1"/>
-            <p:nvPr/>
-          </p:nvSpPr>
-          <p:spPr>
-            <a:xfrm>
-              <a:off x="2316480" y="1463040"/>
-              <a:ext cx="498855" cy="369332"/>
-            </a:xfrm>
-            <a:prstGeom prst="rect">
-              <a:avLst/>
-            </a:prstGeom>
-            <a:noFill/>
-          </p:spPr>
-          <p:txBody>
-            <a:bodyPr wrap="none" rtlCol="0">
-              <a:spAutoFit/>
-            </a:bodyPr>
-            <a:lstStyle/>
-            <a:p>
-              <a:r>
-                <a:rPr lang="en-US" dirty="0"/>
-                <a:t>ICA</a:t>
-              </a:r>
-            </a:p>
-          </p:txBody>
-        </p:sp>
-      </p:grpSp>
-      <p:grpSp>
-        <p:nvGrpSpPr>
-          <p:cNvPr id="17" name="Group 16">
-            <a:extLst>
-              <a:ext uri="{FF2B5EF4-FFF2-40B4-BE49-F238E27FC236}">
-                <a16:creationId xmlns:a16="http://schemas.microsoft.com/office/drawing/2014/main" id="{B377926A-8E30-6114-CE90-2F6DAB9CC925}"/>
-              </a:ext>
-            </a:extLst>
-          </p:cNvPr>
-          <p:cNvGrpSpPr/>
-          <p:nvPr/>
-        </p:nvGrpSpPr>
-        <p:grpSpPr>
-          <a:xfrm>
-            <a:off x="3562650" y="752093"/>
-            <a:ext cx="2286000" cy="1596571"/>
-            <a:chOff x="3562650" y="752093"/>
-            <a:chExt cx="2286000" cy="1596571"/>
-          </a:xfrm>
-        </p:grpSpPr>
-        <p:pic>
-          <p:nvPicPr>
-            <p:cNvPr id="5" name="Picture 4" descr="A graph showing the value of a trade&#10;&#10;Description automatically generated">
-              <a:extLst>
-                <a:ext uri="{FF2B5EF4-FFF2-40B4-BE49-F238E27FC236}">
-                  <a16:creationId xmlns:a16="http://schemas.microsoft.com/office/drawing/2014/main" id="{B88124C3-51A2-4795-0C74-DD7A90A21EA8}"/>
                 </a:ext>
               </a:extLst>
             </p:cNvPr>
@@ -5802,7 +5751,7 @@
           </p:blipFill>
           <p:spPr>
             <a:xfrm>
-              <a:off x="3562650" y="752093"/>
+              <a:off x="1972783" y="752094"/>
               <a:ext cx="2286000" cy="1596571"/>
             </a:xfrm>
             <a:prstGeom prst="rect">
@@ -5810,68 +5759,12 @@
             </a:prstGeom>
           </p:spPr>
         </p:pic>
-        <p:sp>
-          <p:nvSpPr>
-            <p:cNvPr id="15" name="TextBox 14">
+        <p:pic>
+          <p:nvPicPr>
+            <p:cNvPr id="5" name="Picture 4" descr="A graph showing the value of a trade&#10;&#10;Description automatically generated">
               <a:extLst>
                 <a:ext uri="{FF2B5EF4-FFF2-40B4-BE49-F238E27FC236}">
-                  <a16:creationId xmlns:a16="http://schemas.microsoft.com/office/drawing/2014/main" id="{FF04D0EF-4956-3A93-77A4-C24046A604EC}"/>
-                </a:ext>
-              </a:extLst>
-            </p:cNvPr>
-            <p:cNvSpPr txBox="1"/>
-            <p:nvPr/>
-          </p:nvSpPr>
-          <p:spPr>
-            <a:xfrm>
-              <a:off x="5097780" y="1647706"/>
-              <a:ext cx="694421" cy="369332"/>
-            </a:xfrm>
-            <a:prstGeom prst="rect">
-              <a:avLst/>
-            </a:prstGeom>
-            <a:noFill/>
-          </p:spPr>
-          <p:txBody>
-            <a:bodyPr wrap="none" rtlCol="0">
-              <a:spAutoFit/>
-            </a:bodyPr>
-            <a:lstStyle/>
-            <a:p>
-              <a:r>
-                <a:rPr lang="en-US" dirty="0"/>
-                <a:t>Lasso</a:t>
-              </a:r>
-            </a:p>
-          </p:txBody>
-        </p:sp>
-      </p:grpSp>
-      <p:grpSp>
-        <p:nvGrpSpPr>
-          <p:cNvPr id="19" name="Group 18">
-            <a:extLst>
-              <a:ext uri="{FF2B5EF4-FFF2-40B4-BE49-F238E27FC236}">
-                <a16:creationId xmlns:a16="http://schemas.microsoft.com/office/drawing/2014/main" id="{4D3E0780-58EA-95EF-7D91-15FBEBC7E6FC}"/>
-              </a:ext>
-            </a:extLst>
-          </p:cNvPr>
-          <p:cNvGrpSpPr/>
-          <p:nvPr/>
-        </p:nvGrpSpPr>
-        <p:grpSpPr>
-          <a:xfrm>
-            <a:off x="609053" y="3415988"/>
-            <a:ext cx="2286000" cy="1213368"/>
-            <a:chOff x="609053" y="3415988"/>
-            <a:chExt cx="2286000" cy="1213368"/>
-          </a:xfrm>
-        </p:grpSpPr>
-        <p:pic>
-          <p:nvPicPr>
-            <p:cNvPr id="9" name="Picture 8" descr="A graph with a line going up&#10;&#10;Description automatically generated">
-              <a:extLst>
-                <a:ext uri="{FF2B5EF4-FFF2-40B4-BE49-F238E27FC236}">
-                  <a16:creationId xmlns:a16="http://schemas.microsoft.com/office/drawing/2014/main" id="{B198B310-DCB6-B9F6-0579-A9EAE2863C1C}"/>
+                  <a16:creationId xmlns:a16="http://schemas.microsoft.com/office/drawing/2014/main" id="{B88124C3-51A2-4795-0C74-DD7A90A21EA8}"/>
                 </a:ext>
               </a:extLst>
             </p:cNvPr>
@@ -5894,50 +5787,55 @@
           </p:blipFill>
           <p:spPr>
             <a:xfrm>
-              <a:off x="609053" y="3415988"/>
-              <a:ext cx="2286000" cy="1213368"/>
+              <a:off x="4454190" y="752093"/>
+              <a:ext cx="2286000" cy="1596571"/>
             </a:xfrm>
             <a:prstGeom prst="rect">
               <a:avLst/>
             </a:prstGeom>
           </p:spPr>
         </p:pic>
-        <p:sp>
-          <p:nvSpPr>
-            <p:cNvPr id="18" name="TextBox 17">
+        <p:pic>
+          <p:nvPicPr>
+            <p:cNvPr id="2" name="Picture 1">
               <a:extLst>
                 <a:ext uri="{FF2B5EF4-FFF2-40B4-BE49-F238E27FC236}">
-                  <a16:creationId xmlns:a16="http://schemas.microsoft.com/office/drawing/2014/main" id="{E6E6015E-D5DF-A60D-9AAC-3F315429CB73}"/>
+                  <a16:creationId xmlns:a16="http://schemas.microsoft.com/office/drawing/2014/main" id="{CE65ED4A-229D-19B8-F3BF-D1000429464A}"/>
                 </a:ext>
               </a:extLst>
             </p:cNvPr>
-            <p:cNvSpPr txBox="1"/>
+            <p:cNvPicPr>
+              <a:picLocks noChangeAspect="1"/>
+            </p:cNvPicPr>
             <p:nvPr/>
-          </p:nvSpPr>
-          <p:spPr>
+          </p:nvPicPr>
+          <p:blipFill>
+            <a:blip r:embed="rId6">
+              <a:extLst>
+                <a:ext uri="{28A0092B-C50C-407E-A947-70E740481C1C}">
+                  <a14:useLocalDpi xmlns:a14="http://schemas.microsoft.com/office/drawing/2010/main" val="0"/>
+                </a:ext>
+              </a:extLst>
+            </a:blip>
+            <a:srcRect/>
+            <a:stretch>
+              <a:fillRect/>
+            </a:stretch>
+          </p:blipFill>
+          <p:spPr bwMode="auto">
             <a:xfrm>
-              <a:off x="2164428" y="4200406"/>
-              <a:ext cx="709616" cy="307777"/>
+              <a:off x="-536727" y="752093"/>
+              <a:ext cx="2320107" cy="1600200"/>
             </a:xfrm>
             <a:prstGeom prst="rect">
               <a:avLst/>
             </a:prstGeom>
             <a:noFill/>
+            <a:ln>
+              <a:noFill/>
+            </a:ln>
           </p:spPr>
-          <p:txBody>
-            <a:bodyPr wrap="square" rtlCol="0">
-              <a:spAutoFit/>
-            </a:bodyPr>
-            <a:lstStyle/>
-            <a:p>
-              <a:r>
-                <a:rPr lang="en-US" sz="1400" dirty="0" err="1"/>
-                <a:t>KMean</a:t>
-              </a:r>
-              <a:endParaRPr lang="en-US" sz="1400" dirty="0"/>
-            </a:p>
-          </p:txBody>
-        </p:sp>
+        </p:pic>
       </p:grpSp>
     </p:spTree>
     <p:extLst>
